--- a/BE-[delivery-food-app]-[Hendry Agus Setiawan].pptx
+++ b/BE-[delivery-food-app]-[Hendry Agus Setiawan].pptx
@@ -8572,7 +8572,7 @@
           <a:effectLst/>
           <a:extLst>
             <a:ext uri="{91240B29-F687-4f45-9708-019B960494DF}">
-              <a14:hiddenLine xmlns="" xmlns:a14="http://schemas.microsoft.com/office/drawing/2010/main" w="9525" cap="flat">
+              <a14:hiddenLine xmlns:a14="http://schemas.microsoft.com/office/drawing/2010/main" xmlns="" w="9525" cap="flat">
                 <a:solidFill>
                   <a:srgbClr val="808080"/>
                 </a:solidFill>
@@ -8582,7 +8582,7 @@
               </a14:hiddenLine>
             </a:ext>
             <a:ext uri="{AF507438-7753-43e0-B8FC-AC1667EBCBE1}">
-              <a14:hiddenEffects xmlns="" xmlns:a14="http://schemas.microsoft.com/office/drawing/2010/main">
+              <a14:hiddenEffects xmlns:a14="http://schemas.microsoft.com/office/drawing/2010/main" xmlns="">
                 <a:effectLst>
                   <a:outerShdw blurRad="63500" dist="38099" dir="2700000" algn="ctr" rotWithShape="0">
                     <a:srgbClr val="000000">
@@ -8909,7 +8909,7 @@
           <a:effectLst/>
           <a:extLst>
             <a:ext uri="{91240B29-F687-4f45-9708-019B960494DF}">
-              <a14:hiddenLine xmlns="" xmlns:a14="http://schemas.microsoft.com/office/drawing/2010/main" w="9525" cap="flat">
+              <a14:hiddenLine xmlns:a14="http://schemas.microsoft.com/office/drawing/2010/main" xmlns="" w="9525" cap="flat">
                 <a:solidFill>
                   <a:srgbClr val="808080"/>
                 </a:solidFill>
@@ -8919,7 +8919,7 @@
               </a14:hiddenLine>
             </a:ext>
             <a:ext uri="{AF507438-7753-43e0-B8FC-AC1667EBCBE1}">
-              <a14:hiddenEffects xmlns="" xmlns:a14="http://schemas.microsoft.com/office/drawing/2010/main">
+              <a14:hiddenEffects xmlns:a14="http://schemas.microsoft.com/office/drawing/2010/main" xmlns="">
                 <a:effectLst>
                   <a:outerShdw blurRad="63500" dist="38099" dir="2700000" algn="ctr" rotWithShape="0">
                     <a:srgbClr val="000000">
@@ -9896,9 +9896,18 @@
               </a:lnSpc>
             </a:pPr>
             <a:r>
+              <a:rPr lang="en-US" b="1" dirty="0" err="1"/>
+              <a:t>Yudha</a:t>
+            </a:r>
+            <a:r>
               <a:rPr lang="en-US" b="1" dirty="0"/>
-              <a:t>A</a:t>
-            </a:r>
+              <a:t> </a:t>
+            </a:r>
+            <a:r>
+              <a:rPr lang="en-US" b="1" dirty="0" err="1"/>
+              <a:t>Prayogo</a:t>
+            </a:r>
+            <a:endParaRPr lang="en-US" b="1" dirty="0"/>
           </a:p>
         </p:txBody>
       </p:sp>
@@ -9937,7 +9946,7 @@
             </a:pPr>
             <a:r>
               <a:rPr lang="en-US" sz="1400" b="1" i="1" dirty="0"/>
-              <a:t>B</a:t>
+              <a:t>Laundry Report</a:t>
             </a:r>
           </a:p>
         </p:txBody>
